--- a/level_4/presentation.pptx
+++ b/level_4/presentation.pptx
@@ -114,6 +114,11 @@
       </a:defRPr>
     </a:lvl9pPr>
   </p:defaultTextStyle>
+  <p:extLst>
+    <p:ext uri="{EFAFB233-063F-42B5-8137-9DF3F51BA10A}">
+      <p15:sldGuideLst xmlns:p15="http://schemas.microsoft.com/office/powerpoint/2012/main"/>
+    </p:ext>
+  </p:extLst>
 </p:presentation>
 </file>
 
@@ -199,7 +204,7 @@
           <a:p>
             <a:fld id="{B115240B-7436-4842-98A7-3AA16C863AC2}" type="datetimeFigureOut">
               <a:rPr lang="es-ES" smtClean="0"/>
-              <a:t>19/10/2025</a:t>
+              <a:t>17/11/2025</a:t>
             </a:fld>
             <a:endParaRPr lang="es-ES"/>
           </a:p>
@@ -556,6 +561,185 @@
           <a:p>
             <a:fld id="{8936B87D-53B3-4A0E-BE45-4F114FF929D2}" type="slidenum">
               <a:rPr lang="es-ES" smtClean="0"/>
+              <a:t>1</a:t>
+            </a:fld>
+            <a:endParaRPr lang="es-ES"/>
+          </a:p>
+        </p:txBody>
+      </p:sp>
+    </p:spTree>
+    <p:extLst>
+      <p:ext uri="{BB962C8B-B14F-4D97-AF65-F5344CB8AC3E}">
+        <p14:creationId xmlns:p14="http://schemas.microsoft.com/office/powerpoint/2010/main" val="955916130"/>
+      </p:ext>
+    </p:extLst>
+  </p:cSld>
+  <p:clrMapOvr>
+    <a:masterClrMapping/>
+  </p:clrMapOvr>
+</p:notes>
+</file>
+
+<file path=ppt/notesSlides/notesSlide2.xml><?xml version="1.0" encoding="utf-8"?>
+<p:notes xmlns:a="http://schemas.openxmlformats.org/drawingml/2006/main" xmlns:r="http://schemas.openxmlformats.org/officeDocument/2006/relationships" xmlns:p="http://schemas.openxmlformats.org/presentationml/2006/main">
+  <p:cSld>
+    <p:spTree>
+      <p:nvGrpSpPr>
+        <p:cNvPr id="1" name=""/>
+        <p:cNvGrpSpPr/>
+        <p:nvPr/>
+      </p:nvGrpSpPr>
+      <p:grpSpPr>
+        <a:xfrm>
+          <a:off x="0" y="0"/>
+          <a:ext cx="0" cy="0"/>
+          <a:chOff x="0" y="0"/>
+          <a:chExt cx="0" cy="0"/>
+        </a:xfrm>
+      </p:grpSpPr>
+      <p:sp>
+        <p:nvSpPr>
+          <p:cNvPr id="2" name="Slide Image Placeholder 1"/>
+          <p:cNvSpPr>
+            <a:spLocks noGrp="1" noRot="1" noChangeAspect="1"/>
+          </p:cNvSpPr>
+          <p:nvPr>
+            <p:ph type="sldImg"/>
+          </p:nvPr>
+        </p:nvSpPr>
+        <p:spPr/>
+      </p:sp>
+      <p:sp>
+        <p:nvSpPr>
+          <p:cNvPr id="3" name="Notes Placeholder 2"/>
+          <p:cNvSpPr>
+            <a:spLocks noGrp="1"/>
+          </p:cNvSpPr>
+          <p:nvPr>
+            <p:ph type="body" idx="1"/>
+          </p:nvPr>
+        </p:nvSpPr>
+        <p:spPr/>
+        <p:txBody>
+          <a:bodyPr/>
+          <a:lstStyle/>
+          <a:p>
+            <a:r>
+              <a:rPr lang="en-GB" dirty="0"/>
+              <a:t>Mention as </a:t>
+            </a:r>
+            <a:r>
+              <a:rPr lang="en-GB" dirty="0" err="1"/>
+              <a:t>chris</a:t>
+            </a:r>
+            <a:r>
+              <a:rPr lang="en-GB" dirty="0"/>
+              <a:t> said: “This is one of those books book you get 80% of it’s value from by just reading 20% of it”</a:t>
+            </a:r>
+          </a:p>
+        </p:txBody>
+      </p:sp>
+      <p:sp>
+        <p:nvSpPr>
+          <p:cNvPr id="4" name="Slide Number Placeholder 3"/>
+          <p:cNvSpPr>
+            <a:spLocks noGrp="1"/>
+          </p:cNvSpPr>
+          <p:nvPr>
+            <p:ph type="sldNum" sz="quarter" idx="5"/>
+          </p:nvPr>
+        </p:nvSpPr>
+        <p:spPr/>
+        <p:txBody>
+          <a:bodyPr/>
+          <a:lstStyle/>
+          <a:p>
+            <a:fld id="{8936B87D-53B3-4A0E-BE45-4F114FF929D2}" type="slidenum">
+              <a:rPr lang="es-ES" smtClean="0"/>
+              <a:t>3</a:t>
+            </a:fld>
+            <a:endParaRPr lang="es-ES"/>
+          </a:p>
+        </p:txBody>
+      </p:sp>
+    </p:spTree>
+    <p:extLst>
+      <p:ext uri="{BB962C8B-B14F-4D97-AF65-F5344CB8AC3E}">
+        <p14:creationId xmlns:p14="http://schemas.microsoft.com/office/powerpoint/2010/main" val="2726565894"/>
+      </p:ext>
+    </p:extLst>
+  </p:cSld>
+  <p:clrMapOvr>
+    <a:masterClrMapping/>
+  </p:clrMapOvr>
+</p:notes>
+</file>
+
+<file path=ppt/notesSlides/notesSlide3.xml><?xml version="1.0" encoding="utf-8"?>
+<p:notes xmlns:a="http://schemas.openxmlformats.org/drawingml/2006/main" xmlns:r="http://schemas.openxmlformats.org/officeDocument/2006/relationships" xmlns:p="http://schemas.openxmlformats.org/presentationml/2006/main">
+  <p:cSld>
+    <p:spTree>
+      <p:nvGrpSpPr>
+        <p:cNvPr id="1" name=""/>
+        <p:cNvGrpSpPr/>
+        <p:nvPr/>
+      </p:nvGrpSpPr>
+      <p:grpSpPr>
+        <a:xfrm>
+          <a:off x="0" y="0"/>
+          <a:ext cx="0" cy="0"/>
+          <a:chOff x="0" y="0"/>
+          <a:chExt cx="0" cy="0"/>
+        </a:xfrm>
+      </p:grpSpPr>
+      <p:sp>
+        <p:nvSpPr>
+          <p:cNvPr id="2" name="Slide Image Placeholder 1"/>
+          <p:cNvSpPr>
+            <a:spLocks noGrp="1" noRot="1" noChangeAspect="1"/>
+          </p:cNvSpPr>
+          <p:nvPr>
+            <p:ph type="sldImg"/>
+          </p:nvPr>
+        </p:nvSpPr>
+        <p:spPr/>
+      </p:sp>
+      <p:sp>
+        <p:nvSpPr>
+          <p:cNvPr id="3" name="Notes Placeholder 2"/>
+          <p:cNvSpPr>
+            <a:spLocks noGrp="1"/>
+          </p:cNvSpPr>
+          <p:nvPr>
+            <p:ph type="body" idx="1"/>
+          </p:nvPr>
+        </p:nvSpPr>
+        <p:spPr/>
+        <p:txBody>
+          <a:bodyPr/>
+          <a:lstStyle/>
+          <a:p>
+            <a:endParaRPr lang="es-ES" dirty="0"/>
+          </a:p>
+        </p:txBody>
+      </p:sp>
+      <p:sp>
+        <p:nvSpPr>
+          <p:cNvPr id="4" name="Slide Number Placeholder 3"/>
+          <p:cNvSpPr>
+            <a:spLocks noGrp="1"/>
+          </p:cNvSpPr>
+          <p:nvPr>
+            <p:ph type="sldNum" sz="quarter" idx="5"/>
+          </p:nvPr>
+        </p:nvSpPr>
+        <p:spPr/>
+        <p:txBody>
+          <a:bodyPr/>
+          <a:lstStyle/>
+          <a:p>
+            <a:fld id="{8936B87D-53B3-4A0E-BE45-4F114FF929D2}" type="slidenum">
+              <a:rPr lang="es-ES" smtClean="0"/>
               <a:t>5</a:t>
             </a:fld>
             <a:endParaRPr lang="es-ES"/>
@@ -575,7 +759,95 @@
 </p:notes>
 </file>
 
-<file path=ppt/notesSlides/notesSlide2.xml><?xml version="1.0" encoding="utf-8"?>
+<file path=ppt/notesSlides/notesSlide4.xml><?xml version="1.0" encoding="utf-8"?>
+<p:notes xmlns:a="http://schemas.openxmlformats.org/drawingml/2006/main" xmlns:r="http://schemas.openxmlformats.org/officeDocument/2006/relationships" xmlns:p="http://schemas.openxmlformats.org/presentationml/2006/main">
+  <p:cSld>
+    <p:spTree>
+      <p:nvGrpSpPr>
+        <p:cNvPr id="1" name=""/>
+        <p:cNvGrpSpPr/>
+        <p:nvPr/>
+      </p:nvGrpSpPr>
+      <p:grpSpPr>
+        <a:xfrm>
+          <a:off x="0" y="0"/>
+          <a:ext cx="0" cy="0"/>
+          <a:chOff x="0" y="0"/>
+          <a:chExt cx="0" cy="0"/>
+        </a:xfrm>
+      </p:grpSpPr>
+      <p:sp>
+        <p:nvSpPr>
+          <p:cNvPr id="2" name="Slide Image Placeholder 1"/>
+          <p:cNvSpPr>
+            <a:spLocks noGrp="1" noRot="1" noChangeAspect="1"/>
+          </p:cNvSpPr>
+          <p:nvPr>
+            <p:ph type="sldImg"/>
+          </p:nvPr>
+        </p:nvSpPr>
+        <p:spPr/>
+      </p:sp>
+      <p:sp>
+        <p:nvSpPr>
+          <p:cNvPr id="3" name="Notes Placeholder 2"/>
+          <p:cNvSpPr>
+            <a:spLocks noGrp="1"/>
+          </p:cNvSpPr>
+          <p:nvPr>
+            <p:ph type="body" idx="1"/>
+          </p:nvPr>
+        </p:nvSpPr>
+        <p:spPr/>
+        <p:txBody>
+          <a:bodyPr/>
+          <a:lstStyle/>
+          <a:p>
+            <a:r>
+              <a:rPr lang="en-GB" dirty="0"/>
+              <a:t>I probably would not be here were it for the help of those engineers who so generously offered their time to guide my professional career.</a:t>
+            </a:r>
+            <a:endParaRPr lang="es-ES" dirty="0"/>
+          </a:p>
+        </p:txBody>
+      </p:sp>
+      <p:sp>
+        <p:nvSpPr>
+          <p:cNvPr id="4" name="Slide Number Placeholder 3"/>
+          <p:cNvSpPr>
+            <a:spLocks noGrp="1"/>
+          </p:cNvSpPr>
+          <p:nvPr>
+            <p:ph type="sldNum" sz="quarter" idx="5"/>
+          </p:nvPr>
+        </p:nvSpPr>
+        <p:spPr/>
+        <p:txBody>
+          <a:bodyPr/>
+          <a:lstStyle/>
+          <a:p>
+            <a:fld id="{8936B87D-53B3-4A0E-BE45-4F114FF929D2}" type="slidenum">
+              <a:rPr lang="es-ES" smtClean="0"/>
+              <a:t>6</a:t>
+            </a:fld>
+            <a:endParaRPr lang="es-ES"/>
+          </a:p>
+        </p:txBody>
+      </p:sp>
+    </p:spTree>
+    <p:extLst>
+      <p:ext uri="{BB962C8B-B14F-4D97-AF65-F5344CB8AC3E}">
+        <p14:creationId xmlns:p14="http://schemas.microsoft.com/office/powerpoint/2010/main" val="2709705036"/>
+      </p:ext>
+    </p:extLst>
+  </p:cSld>
+  <p:clrMapOvr>
+    <a:masterClrMapping/>
+  </p:clrMapOvr>
+</p:notes>
+</file>
+
+<file path=ppt/notesSlides/notesSlide5.xml><?xml version="1.0" encoding="utf-8"?>
 <p:notes xmlns:a="http://schemas.openxmlformats.org/drawingml/2006/main" xmlns:r="http://schemas.openxmlformats.org/officeDocument/2006/relationships" xmlns:p="http://schemas.openxmlformats.org/presentationml/2006/main">
   <p:cSld>
     <p:spTree>
@@ -808,7 +1080,7 @@
           <a:p>
             <a:fld id="{1A7B8DDD-A92C-4D63-A614-213B936E6D5F}" type="datetimeFigureOut">
               <a:rPr lang="es-ES" smtClean="0"/>
-              <a:t>19/10/2025</a:t>
+              <a:t>17/11/2025</a:t>
             </a:fld>
             <a:endParaRPr lang="es-ES"/>
           </a:p>
@@ -1008,7 +1280,7 @@
           <a:p>
             <a:fld id="{1A7B8DDD-A92C-4D63-A614-213B936E6D5F}" type="datetimeFigureOut">
               <a:rPr lang="es-ES" smtClean="0"/>
-              <a:t>19/10/2025</a:t>
+              <a:t>17/11/2025</a:t>
             </a:fld>
             <a:endParaRPr lang="es-ES"/>
           </a:p>
@@ -1218,7 +1490,7 @@
           <a:p>
             <a:fld id="{1A7B8DDD-A92C-4D63-A614-213B936E6D5F}" type="datetimeFigureOut">
               <a:rPr lang="es-ES" smtClean="0"/>
-              <a:t>19/10/2025</a:t>
+              <a:t>17/11/2025</a:t>
             </a:fld>
             <a:endParaRPr lang="es-ES"/>
           </a:p>
@@ -1418,7 +1690,7 @@
           <a:p>
             <a:fld id="{1A7B8DDD-A92C-4D63-A614-213B936E6D5F}" type="datetimeFigureOut">
               <a:rPr lang="es-ES" smtClean="0"/>
-              <a:t>19/10/2025</a:t>
+              <a:t>17/11/2025</a:t>
             </a:fld>
             <a:endParaRPr lang="es-ES"/>
           </a:p>
@@ -1694,7 +1966,7 @@
           <a:p>
             <a:fld id="{1A7B8DDD-A92C-4D63-A614-213B936E6D5F}" type="datetimeFigureOut">
               <a:rPr lang="es-ES" smtClean="0"/>
-              <a:t>19/10/2025</a:t>
+              <a:t>17/11/2025</a:t>
             </a:fld>
             <a:endParaRPr lang="es-ES"/>
           </a:p>
@@ -1962,7 +2234,7 @@
           <a:p>
             <a:fld id="{1A7B8DDD-A92C-4D63-A614-213B936E6D5F}" type="datetimeFigureOut">
               <a:rPr lang="es-ES" smtClean="0"/>
-              <a:t>19/10/2025</a:t>
+              <a:t>17/11/2025</a:t>
             </a:fld>
             <a:endParaRPr lang="es-ES"/>
           </a:p>
@@ -2377,7 +2649,7 @@
           <a:p>
             <a:fld id="{1A7B8DDD-A92C-4D63-A614-213B936E6D5F}" type="datetimeFigureOut">
               <a:rPr lang="es-ES" smtClean="0"/>
-              <a:t>19/10/2025</a:t>
+              <a:t>17/11/2025</a:t>
             </a:fld>
             <a:endParaRPr lang="es-ES"/>
           </a:p>
@@ -2519,7 +2791,7 @@
           <a:p>
             <a:fld id="{1A7B8DDD-A92C-4D63-A614-213B936E6D5F}" type="datetimeFigureOut">
               <a:rPr lang="es-ES" smtClean="0"/>
-              <a:t>19/10/2025</a:t>
+              <a:t>17/11/2025</a:t>
             </a:fld>
             <a:endParaRPr lang="es-ES"/>
           </a:p>
@@ -2632,7 +2904,7 @@
           <a:p>
             <a:fld id="{1A7B8DDD-A92C-4D63-A614-213B936E6D5F}" type="datetimeFigureOut">
               <a:rPr lang="es-ES" smtClean="0"/>
-              <a:t>19/10/2025</a:t>
+              <a:t>17/11/2025</a:t>
             </a:fld>
             <a:endParaRPr lang="es-ES"/>
           </a:p>
@@ -2945,7 +3217,7 @@
           <a:p>
             <a:fld id="{1A7B8DDD-A92C-4D63-A614-213B936E6D5F}" type="datetimeFigureOut">
               <a:rPr lang="es-ES" smtClean="0"/>
-              <a:t>19/10/2025</a:t>
+              <a:t>17/11/2025</a:t>
             </a:fld>
             <a:endParaRPr lang="es-ES"/>
           </a:p>
@@ -3234,7 +3506,7 @@
           <a:p>
             <a:fld id="{1A7B8DDD-A92C-4D63-A614-213B936E6D5F}" type="datetimeFigureOut">
               <a:rPr lang="es-ES" smtClean="0"/>
-              <a:t>19/10/2025</a:t>
+              <a:t>17/11/2025</a:t>
             </a:fld>
             <a:endParaRPr lang="es-ES"/>
           </a:p>
@@ -3477,7 +3749,7 @@
           <a:p>
             <a:fld id="{1A7B8DDD-A92C-4D63-A614-213B936E6D5F}" type="datetimeFigureOut">
               <a:rPr lang="es-ES" smtClean="0"/>
-              <a:t>19/10/2025</a:t>
+              <a:t>17/11/2025</a:t>
             </a:fld>
             <a:endParaRPr lang="es-ES"/>
           </a:p>
@@ -4273,7 +4545,7 @@
           <p:nvPr/>
         </p:nvPicPr>
         <p:blipFill>
-          <a:blip r:embed="rId2">
+          <a:blip r:embed="rId3">
             <a:extLst>
               <a:ext uri="{28A0092B-C50C-407E-A947-70E740481C1C}">
                 <a14:useLocalDpi xmlns:a14="http://schemas.microsoft.com/office/drawing/2010/main" val="0"/>
@@ -4467,21 +4739,105 @@
           <a:lstStyle/>
           <a:p>
             <a:r>
-              <a:rPr lang="en-GB" sz="2000"/>
+              <a:rPr lang="en-GB" sz="2000" dirty="0"/>
               <a:t>Before I started uni I was alone when it came to my interest. I was the only person I knew who liked Robotics, and I didn’t have much experience making friends nor influencing people within my profession at all</a:t>
             </a:r>
             <a:r>
-              <a:rPr lang="es-ES" sz="2000"/>
+              <a:rPr lang="es-ES" sz="2000" dirty="0"/>
               <a:t>.</a:t>
             </a:r>
           </a:p>
           <a:p>
-            <a:endParaRPr lang="es-ES" sz="2000"/>
-          </a:p>
-          <a:p>
-            <a:r>
-              <a:rPr lang="es-ES" sz="2000"/>
-              <a:t>That’s when I bought a book called “How to win friends and Influence people”.</a:t>
+            <a:endParaRPr lang="es-ES" sz="2000" dirty="0"/>
+          </a:p>
+          <a:p>
+            <a:r>
+              <a:rPr lang="es-ES" sz="2000" dirty="0" err="1"/>
+              <a:t>That’s</a:t>
+            </a:r>
+            <a:r>
+              <a:rPr lang="es-ES" sz="2000" dirty="0"/>
+              <a:t> </a:t>
+            </a:r>
+            <a:r>
+              <a:rPr lang="es-ES" sz="2000" dirty="0" err="1"/>
+              <a:t>when</a:t>
+            </a:r>
+            <a:r>
+              <a:rPr lang="es-ES" sz="2000" dirty="0"/>
+              <a:t> I </a:t>
+            </a:r>
+            <a:r>
+              <a:rPr lang="es-ES" sz="2000" dirty="0" err="1"/>
+              <a:t>bought</a:t>
+            </a:r>
+            <a:r>
+              <a:rPr lang="es-ES" sz="2000" dirty="0"/>
+              <a:t> a </a:t>
+            </a:r>
+            <a:r>
+              <a:rPr lang="es-ES" sz="2000" dirty="0" err="1"/>
+              <a:t>book</a:t>
+            </a:r>
+            <a:r>
+              <a:rPr lang="es-ES" sz="2000" dirty="0"/>
+              <a:t> </a:t>
+            </a:r>
+            <a:r>
+              <a:rPr lang="es-ES" sz="2000" dirty="0" err="1"/>
+              <a:t>called</a:t>
+            </a:r>
+            <a:r>
+              <a:rPr lang="es-ES" sz="2000" dirty="0"/>
+              <a:t> “</a:t>
+            </a:r>
+            <a:r>
+              <a:rPr lang="es-ES" sz="2000" dirty="0" err="1"/>
+              <a:t>How</a:t>
+            </a:r>
+            <a:r>
+              <a:rPr lang="es-ES" sz="2000" dirty="0"/>
+              <a:t> </a:t>
+            </a:r>
+            <a:r>
+              <a:rPr lang="es-ES" sz="2000" dirty="0" err="1"/>
+              <a:t>to</a:t>
+            </a:r>
+            <a:r>
+              <a:rPr lang="es-ES" sz="2000" dirty="0"/>
+              <a:t> </a:t>
+            </a:r>
+            <a:r>
+              <a:rPr lang="es-ES" sz="2000" dirty="0" err="1"/>
+              <a:t>win</a:t>
+            </a:r>
+            <a:r>
+              <a:rPr lang="es-ES" sz="2000" dirty="0"/>
+              <a:t> </a:t>
+            </a:r>
+            <a:r>
+              <a:rPr lang="es-ES" sz="2000" dirty="0" err="1"/>
+              <a:t>friends</a:t>
+            </a:r>
+            <a:r>
+              <a:rPr lang="es-ES" sz="2000" dirty="0"/>
+              <a:t> and </a:t>
+            </a:r>
+            <a:r>
+              <a:rPr lang="es-ES" sz="2000" dirty="0" err="1"/>
+              <a:t>Influence</a:t>
+            </a:r>
+            <a:r>
+              <a:rPr lang="es-ES" sz="2000" dirty="0"/>
+              <a:t> </a:t>
+            </a:r>
+            <a:r>
+              <a:rPr lang="es-ES" sz="2000" dirty="0" err="1"/>
+              <a:t>people</a:t>
+            </a:r>
+            <a:r>
+              <a:rPr lang="es-ES" sz="2000" dirty="0"/>
+              <a:t>”.</a:t>
             </a:r>
           </a:p>
         </p:txBody>
@@ -4687,19 +5043,18 @@
           <a:lstStyle/>
           <a:p>
             <a:r>
-              <a:rPr lang="en-GB" sz="2000"/>
-              <a:t>In this presentation I’ll share with you the essence of what I learned from the book</a:t>
-            </a:r>
-          </a:p>
-          <a:p>
-            <a:endParaRPr lang="en-GB" sz="2000"/>
-          </a:p>
-          <a:p>
-            <a:r>
-              <a:rPr lang="en-GB" sz="2000"/>
+              <a:rPr lang="en-GB" sz="2000" dirty="0"/>
+              <a:t>In this presentation I’ll share with you the essence of what I learned from the book.</a:t>
+            </a:r>
+          </a:p>
+          <a:p>
+            <a:endParaRPr lang="en-GB" sz="2000" dirty="0"/>
+          </a:p>
+          <a:p>
+            <a:r>
+              <a:rPr lang="en-GB" sz="2000" dirty="0"/>
               <a:t>I’ll also share examples of how putting those lessons in practice helped me greatly succeed in my journey so far (and hopefully succeed in the future).</a:t>
             </a:r>
-            <a:endParaRPr lang="es-ES" sz="2000"/>
           </a:p>
         </p:txBody>
       </p:sp>
@@ -4718,7 +5073,7 @@
           <p:nvPr/>
         </p:nvPicPr>
         <p:blipFill>
-          <a:blip r:embed="rId2">
+          <a:blip r:embed="rId3">
             <a:extLst>
               <a:ext uri="{28A0092B-C50C-407E-A947-70E740481C1C}">
                 <a14:useLocalDpi xmlns:a14="http://schemas.microsoft.com/office/drawing/2010/main" val="0"/>
@@ -4914,8 +5269,8 @@
           <a:lstStyle/>
           <a:p>
             <a:r>
-              <a:rPr lang="en-GB" sz="2000"/>
-              <a:t>If there’s one thing this book will drill into your head across all it’s lessons, is how beneficial making friends is in the long run. This is shown through plenty of examples through the book. Among the most important lessons were:</a:t>
+              <a:rPr lang="en-GB" sz="2000" dirty="0"/>
+              <a:t>If there’s one thing this book will drill into your head across all it’s lessons, is how beneficial making friends is in the long run. Among the most important lessons were:</a:t>
             </a:r>
           </a:p>
           <a:p>
@@ -4923,7 +5278,7 @@
               <a:buNone/>
             </a:pPr>
             <a:r>
-              <a:rPr lang="en-GB" sz="2000"/>
+              <a:rPr lang="en-GB" sz="2000" dirty="0"/>
               <a:t>	-No one wins an argument</a:t>
             </a:r>
           </a:p>
@@ -4932,18 +5287,81 @@
               <a:buNone/>
             </a:pPr>
             <a:r>
-              <a:rPr lang="es-ES" sz="2000"/>
-              <a:t>	-If you’re wrong, admit it</a:t>
-            </a:r>
-            <a:endParaRPr lang="en-GB" sz="2000"/>
+              <a:rPr lang="es-ES" sz="2000" dirty="0"/>
+              <a:t>	-</a:t>
+            </a:r>
+            <a:r>
+              <a:rPr lang="es-ES" sz="2000" dirty="0" err="1"/>
+              <a:t>If</a:t>
+            </a:r>
+            <a:r>
+              <a:rPr lang="es-ES" sz="2000" dirty="0"/>
+              <a:t> </a:t>
+            </a:r>
+            <a:r>
+              <a:rPr lang="es-ES" sz="2000" dirty="0" err="1"/>
+              <a:t>you’re</a:t>
+            </a:r>
+            <a:r>
+              <a:rPr lang="es-ES" sz="2000" dirty="0"/>
+              <a:t> </a:t>
+            </a:r>
+            <a:r>
+              <a:rPr lang="es-ES" sz="2000" dirty="0" err="1"/>
+              <a:t>wrong</a:t>
+            </a:r>
+            <a:r>
+              <a:rPr lang="es-ES" sz="2000" dirty="0"/>
+              <a:t>, </a:t>
+            </a:r>
+            <a:r>
+              <a:rPr lang="es-ES" sz="2000" dirty="0" err="1"/>
+              <a:t>admit</a:t>
+            </a:r>
+            <a:r>
+              <a:rPr lang="es-ES" sz="2000" dirty="0"/>
+              <a:t> </a:t>
+            </a:r>
+            <a:r>
+              <a:rPr lang="es-ES" sz="2000" dirty="0" err="1"/>
+              <a:t>it</a:t>
+            </a:r>
+            <a:endParaRPr lang="en-GB" sz="2000" dirty="0"/>
           </a:p>
           <a:p>
             <a:pPr marL="0" indent="0">
               <a:buNone/>
             </a:pPr>
             <a:r>
-              <a:rPr lang="en-GB" sz="2000"/>
+              <a:rPr lang="en-GB" sz="2000" dirty="0"/>
               <a:t>	-A drop of honey is better than a barrel of tar</a:t>
+            </a:r>
+          </a:p>
+          <a:p>
+            <a:pPr marL="0" indent="0">
+              <a:buNone/>
+            </a:pPr>
+            <a:r>
+              <a:rPr lang="en-GB" sz="2000" dirty="0"/>
+              <a:t>	-Empathy (What everyone wants!)</a:t>
+            </a:r>
+          </a:p>
+          <a:p>
+            <a:pPr marL="0" indent="0">
+              <a:buNone/>
+            </a:pPr>
+            <a:r>
+              <a:rPr lang="en-GB" sz="2000" dirty="0"/>
+              <a:t>	-Be a good listener</a:t>
+            </a:r>
+          </a:p>
+          <a:p>
+            <a:pPr marL="0" indent="0">
+              <a:buNone/>
+            </a:pPr>
+            <a:r>
+              <a:rPr lang="en-GB" sz="2000" dirty="0"/>
+              <a:t>	…</a:t>
             </a:r>
           </a:p>
         </p:txBody>
@@ -5159,20 +5577,26 @@
           <a:lstStyle/>
           <a:p>
             <a:r>
-              <a:rPr lang="en-GB" sz="2000"/>
-              <a:t>During one course project, we were in a group project were one of our peers was often unavailable and didn’t perform as expected. Instead of mandating him to do better I actively communicated with him, asked what was wrong, empathised and never so much as commanded him to “get to work”. </a:t>
-            </a:r>
-          </a:p>
-          <a:p>
-            <a:r>
-              <a:rPr lang="en-GB" sz="2000"/>
+              <a:rPr lang="en-GB" sz="2000" dirty="0"/>
+              <a:t>During one course project, we were in a group project were one of our peers was often unavailable and didn’t perform as expected. </a:t>
+            </a:r>
+          </a:p>
+          <a:p>
+            <a:r>
+              <a:rPr lang="en-GB" sz="2000" dirty="0"/>
+              <a:t>Instead of mandating him to do better I actively communicated with him, asked what was wrong, empathised and never so much as commanded him to “get to work”. </a:t>
+            </a:r>
+          </a:p>
+          <a:p>
+            <a:r>
+              <a:rPr lang="en-GB" sz="2000" dirty="0"/>
               <a:t>In the end he himself was the one eager to collaborate and quickly picked up his slack.</a:t>
             </a:r>
           </a:p>
           <a:p>
             <a:r>
-              <a:rPr lang="en-GB" sz="2000"/>
-              <a:t>The group project turned out far better that we could’ve imagined/</a:t>
+              <a:rPr lang="en-GB" sz="2000" dirty="0"/>
+              <a:t>The group project turned out far better that we could’ve imagined.</a:t>
             </a:r>
           </a:p>
         </p:txBody>
@@ -5388,8 +5812,17 @@
           <a:lstStyle/>
           <a:p>
             <a:r>
-              <a:rPr lang="en-GB" sz="2000"/>
-              <a:t>From the book I also began to appreciate the power behind communicating with people effectively. I began actively going to networking events whereby I met other engineers who were later able to help me with professional advice and even obtained help for interviews I would’ve never obtained otherwise.</a:t>
+              <a:rPr lang="en-GB" sz="2000" dirty="0"/>
+              <a:t>From the book I also began to appreciate the power behind communicating with people effectively. </a:t>
+            </a:r>
+          </a:p>
+          <a:p>
+            <a:endParaRPr lang="en-GB" sz="2000" dirty="0"/>
+          </a:p>
+          <a:p>
+            <a:r>
+              <a:rPr lang="en-GB" sz="2000" dirty="0"/>
+              <a:t>I began actively going to networking events whereby I met other engineers who were later able to help me with professional advice and even obtained help for interviews I would’ve never obtained otherwise.</a:t>
             </a:r>
           </a:p>
         </p:txBody>
@@ -5409,7 +5842,7 @@
           <p:nvPr/>
         </p:nvPicPr>
         <p:blipFill rotWithShape="1">
-          <a:blip r:embed="rId2">
+          <a:blip r:embed="rId3">
             <a:extLst>
               <a:ext uri="{28A0092B-C50C-407E-A947-70E740481C1C}">
                 <a14:useLocalDpi xmlns:a14="http://schemas.microsoft.com/office/drawing/2010/main" val="0"/>
@@ -5605,8 +6038,17 @@
           <a:lstStyle/>
           <a:p>
             <a:r>
-              <a:rPr lang="en-GB" sz="2000"/>
-              <a:t>During my final year project, I went to my supervisor fixated on a particular idea. Hearing his suggestions and actively admitting I was wrong at times allowed me to grow, progress and make friends on top of excelling at my project beyond what I could’ve ever imagined.</a:t>
+              <a:rPr lang="en-GB" sz="2000" dirty="0"/>
+              <a:t>During my final year project, I went to my supervisor fixated on a particular idea. </a:t>
+            </a:r>
+          </a:p>
+          <a:p>
+            <a:endParaRPr lang="en-GB" sz="2000" dirty="0"/>
+          </a:p>
+          <a:p>
+            <a:r>
+              <a:rPr lang="en-GB" sz="2000" dirty="0"/>
+              <a:t>Hearing his suggestions and actively admitting I was wrong at times allowed me to grow, progress and make friends on top of excelling at my project beyond what I could’ve ever imagined.</a:t>
             </a:r>
           </a:p>
         </p:txBody>
@@ -5822,16 +6264,16 @@
           <a:lstStyle/>
           <a:p>
             <a:r>
-              <a:rPr lang="en-GB" sz="2000"/>
+              <a:rPr lang="en-GB" sz="2000" dirty="0"/>
               <a:t>‘How to make friends and influence people’ has been an amazing book. It singlehandedly taught me how to make wiser decisions in my life that pan out better for everyone in the long run.</a:t>
             </a:r>
           </a:p>
           <a:p>
-            <a:endParaRPr lang="en-GB" sz="2000"/>
-          </a:p>
-          <a:p>
-            <a:r>
-              <a:rPr lang="en-GB" sz="2000"/>
+            <a:endParaRPr lang="en-GB" sz="2000" dirty="0"/>
+          </a:p>
+          <a:p>
+            <a:r>
+              <a:rPr lang="en-GB" sz="2000" dirty="0"/>
               <a:t>Without it, I probably wouldn’t have gotten here giving this presentation to you!</a:t>
             </a:r>
           </a:p>
